--- a/wspr_python_spots_analysis_121521.pptx
+++ b/wspr_python_spots_analysis_121521.pptx
@@ -3935,12 +3935,47 @@
           </a:p>
         </p:txBody>
       </p:sp>
+      <p:sp>
+        <p:nvSpPr>
+          <p:cNvPr id="10" name="TextBox 9">
+            <a:extLst>
+              <a:ext uri="{FF2B5EF4-FFF2-40B4-BE49-F238E27FC236}">
+                <a16:creationId xmlns:a16="http://schemas.microsoft.com/office/drawing/2014/main" id="{14B2227A-A730-42AB-9AA7-A52619763DE1}"/>
+              </a:ext>
+            </a:extLst>
+          </p:cNvPr>
+          <p:cNvSpPr txBox="1"/>
+          <p:nvPr/>
+        </p:nvSpPr>
+        <p:spPr>
+          <a:xfrm>
+            <a:off x="3496750" y="6121533"/>
+            <a:ext cx="2172518" cy="276999"/>
+          </a:xfrm>
+          <a:prstGeom prst="rect">
+            <a:avLst/>
+          </a:prstGeom>
+          <a:noFill/>
+        </p:spPr>
+        <p:txBody>
+          <a:bodyPr wrap="none" rtlCol="0">
+            <a:spAutoFit/>
+          </a:bodyPr>
+          <a:lstStyle/>
+          <a:p>
+            <a:r>
+              <a:rPr lang="en-US" sz="1200" dirty="0"/>
+              <a:t>Red-Pitaya SDR QRP Transceiver</a:t>
+            </a:r>
+          </a:p>
+        </p:txBody>
+      </p:sp>
       <p:pic>
         <p:nvPicPr>
-          <p:cNvPr id="9" name="Picture 8">
+          <p:cNvPr id="7" name="Picture 6">
             <a:extLst>
               <a:ext uri="{FF2B5EF4-FFF2-40B4-BE49-F238E27FC236}">
-                <a16:creationId xmlns:a16="http://schemas.microsoft.com/office/drawing/2014/main" id="{58915F3A-A349-4588-84FC-D7677606ECBE}"/>
+                <a16:creationId xmlns:a16="http://schemas.microsoft.com/office/drawing/2014/main" id="{C873BBD8-8CC8-4462-96BF-18034E333721}"/>
               </a:ext>
             </a:extLst>
           </p:cNvPr>
@@ -3963,20 +3998,56 @@
         </p:blipFill>
         <p:spPr>
           <a:xfrm>
-            <a:off x="930655" y="1010920"/>
-            <a:ext cx="7282688" cy="4836160"/>
+            <a:off x="3595083" y="1714650"/>
+            <a:ext cx="5201920" cy="3454400"/>
           </a:xfrm>
           <a:prstGeom prst="rect">
             <a:avLst/>
           </a:prstGeom>
         </p:spPr>
       </p:pic>
-      <p:sp>
-        <p:nvSpPr>
-          <p:cNvPr id="10" name="TextBox 9">
+      <p:pic>
+        <p:nvPicPr>
+          <p:cNvPr id="8" name="Picture 7">
             <a:extLst>
               <a:ext uri="{FF2B5EF4-FFF2-40B4-BE49-F238E27FC236}">
-                <a16:creationId xmlns:a16="http://schemas.microsoft.com/office/drawing/2014/main" id="{14B2227A-A730-42AB-9AA7-A52619763DE1}"/>
+                <a16:creationId xmlns:a16="http://schemas.microsoft.com/office/drawing/2014/main" id="{6D9C613B-E0B7-4430-9AAD-332D671231C8}"/>
+              </a:ext>
+            </a:extLst>
+          </p:cNvPr>
+          <p:cNvPicPr>
+            <a:picLocks noChangeAspect="1"/>
+          </p:cNvPicPr>
+          <p:nvPr/>
+        </p:nvPicPr>
+        <p:blipFill>
+          <a:blip r:embed="rId3" cstate="print">
+            <a:extLst>
+              <a:ext uri="{28A0092B-C50C-407E-A947-70E740481C1C}">
+                <a14:useLocalDpi xmlns:a14="http://schemas.microsoft.com/office/drawing/2010/main" val="0"/>
+              </a:ext>
+            </a:extLst>
+          </a:blip>
+          <a:stretch>
+            <a:fillRect/>
+          </a:stretch>
+        </p:blipFill>
+        <p:spPr>
+          <a:xfrm rot="16200000">
+            <a:off x="-439387" y="1712937"/>
+            <a:ext cx="4681728" cy="3108960"/>
+          </a:xfrm>
+          <a:prstGeom prst="rect">
+            <a:avLst/>
+          </a:prstGeom>
+        </p:spPr>
+      </p:pic>
+      <p:sp>
+        <p:nvSpPr>
+          <p:cNvPr id="11" name="TextBox 26">
+            <a:extLst>
+              <a:ext uri="{FF2B5EF4-FFF2-40B4-BE49-F238E27FC236}">
+                <a16:creationId xmlns:a16="http://schemas.microsoft.com/office/drawing/2014/main" id="{FFFFD7D3-4D61-4D0A-98C9-1A0EEAFA2C2F}"/>
               </a:ext>
             </a:extLst>
           </p:cNvPr>
@@ -3985,8 +4056,8 @@
         </p:nvSpPr>
         <p:spPr>
           <a:xfrm>
-            <a:off x="3496750" y="6121533"/>
-            <a:ext cx="2172518" cy="276999"/>
+            <a:off x="726409" y="2965394"/>
+            <a:ext cx="365806" cy="246221"/>
           </a:xfrm>
           <a:prstGeom prst="rect">
             <a:avLst/>
@@ -3997,11 +4068,1872 @@
           <a:bodyPr wrap="none" rtlCol="0">
             <a:spAutoFit/>
           </a:bodyPr>
-          <a:lstStyle/>
+          <a:lstStyle>
+            <a:defPPr>
+              <a:defRPr lang="en-US"/>
+            </a:defPPr>
+            <a:lvl1pPr marL="0" algn="l" defTabSz="457200" rtl="0" eaLnBrk="1" latinLnBrk="0" hangingPunct="1">
+              <a:defRPr sz="1800" kern="1200">
+                <a:solidFill>
+                  <a:schemeClr val="tx1"/>
+                </a:solidFill>
+                <a:latin typeface="+mn-lt"/>
+                <a:ea typeface="+mn-ea"/>
+                <a:cs typeface="+mn-cs"/>
+              </a:defRPr>
+            </a:lvl1pPr>
+            <a:lvl2pPr marL="457200" algn="l" defTabSz="457200" rtl="0" eaLnBrk="1" latinLnBrk="0" hangingPunct="1">
+              <a:defRPr sz="1800" kern="1200">
+                <a:solidFill>
+                  <a:schemeClr val="tx1"/>
+                </a:solidFill>
+                <a:latin typeface="+mn-lt"/>
+                <a:ea typeface="+mn-ea"/>
+                <a:cs typeface="+mn-cs"/>
+              </a:defRPr>
+            </a:lvl2pPr>
+            <a:lvl3pPr marL="914400" algn="l" defTabSz="457200" rtl="0" eaLnBrk="1" latinLnBrk="0" hangingPunct="1">
+              <a:defRPr sz="1800" kern="1200">
+                <a:solidFill>
+                  <a:schemeClr val="tx1"/>
+                </a:solidFill>
+                <a:latin typeface="+mn-lt"/>
+                <a:ea typeface="+mn-ea"/>
+                <a:cs typeface="+mn-cs"/>
+              </a:defRPr>
+            </a:lvl3pPr>
+            <a:lvl4pPr marL="1371600" algn="l" defTabSz="457200" rtl="0" eaLnBrk="1" latinLnBrk="0" hangingPunct="1">
+              <a:defRPr sz="1800" kern="1200">
+                <a:solidFill>
+                  <a:schemeClr val="tx1"/>
+                </a:solidFill>
+                <a:latin typeface="+mn-lt"/>
+                <a:ea typeface="+mn-ea"/>
+                <a:cs typeface="+mn-cs"/>
+              </a:defRPr>
+            </a:lvl4pPr>
+            <a:lvl5pPr marL="1828800" algn="l" defTabSz="457200" rtl="0" eaLnBrk="1" latinLnBrk="0" hangingPunct="1">
+              <a:defRPr sz="1800" kern="1200">
+                <a:solidFill>
+                  <a:schemeClr val="tx1"/>
+                </a:solidFill>
+                <a:latin typeface="+mn-lt"/>
+                <a:ea typeface="+mn-ea"/>
+                <a:cs typeface="+mn-cs"/>
+              </a:defRPr>
+            </a:lvl5pPr>
+            <a:lvl6pPr marL="2286000" algn="l" defTabSz="457200" rtl="0" eaLnBrk="1" latinLnBrk="0" hangingPunct="1">
+              <a:defRPr sz="1800" kern="1200">
+                <a:solidFill>
+                  <a:schemeClr val="tx1"/>
+                </a:solidFill>
+                <a:latin typeface="+mn-lt"/>
+                <a:ea typeface="+mn-ea"/>
+                <a:cs typeface="+mn-cs"/>
+              </a:defRPr>
+            </a:lvl6pPr>
+            <a:lvl7pPr marL="2743200" algn="l" defTabSz="457200" rtl="0" eaLnBrk="1" latinLnBrk="0" hangingPunct="1">
+              <a:defRPr sz="1800" kern="1200">
+                <a:solidFill>
+                  <a:schemeClr val="tx1"/>
+                </a:solidFill>
+                <a:latin typeface="+mn-lt"/>
+                <a:ea typeface="+mn-ea"/>
+                <a:cs typeface="+mn-cs"/>
+              </a:defRPr>
+            </a:lvl7pPr>
+            <a:lvl8pPr marL="3200400" algn="l" defTabSz="457200" rtl="0" eaLnBrk="1" latinLnBrk="0" hangingPunct="1">
+              <a:defRPr sz="1800" kern="1200">
+                <a:solidFill>
+                  <a:schemeClr val="tx1"/>
+                </a:solidFill>
+                <a:latin typeface="+mn-lt"/>
+                <a:ea typeface="+mn-ea"/>
+                <a:cs typeface="+mn-cs"/>
+              </a:defRPr>
+            </a:lvl8pPr>
+            <a:lvl9pPr marL="3657600" algn="l" defTabSz="457200" rtl="0" eaLnBrk="1" latinLnBrk="0" hangingPunct="1">
+              <a:defRPr sz="1800" kern="1200">
+                <a:solidFill>
+                  <a:schemeClr val="tx1"/>
+                </a:solidFill>
+                <a:latin typeface="+mn-lt"/>
+                <a:ea typeface="+mn-ea"/>
+                <a:cs typeface="+mn-cs"/>
+              </a:defRPr>
+            </a:lvl9pPr>
+          </a:lstStyle>
+          <a:p>
+            <a:r>
+              <a:rPr lang="en-US" sz="1000" dirty="0"/>
+              <a:t>IN1</a:t>
+            </a:r>
+          </a:p>
+        </p:txBody>
+      </p:sp>
+      <p:sp>
+        <p:nvSpPr>
+          <p:cNvPr id="12" name="TextBox 27">
+            <a:extLst>
+              <a:ext uri="{FF2B5EF4-FFF2-40B4-BE49-F238E27FC236}">
+                <a16:creationId xmlns:a16="http://schemas.microsoft.com/office/drawing/2014/main" id="{27CA76B3-7F8E-4BC5-9AB9-992A69EE44C2}"/>
+              </a:ext>
+            </a:extLst>
+          </p:cNvPr>
+          <p:cNvSpPr txBox="1"/>
+          <p:nvPr/>
+        </p:nvSpPr>
+        <p:spPr>
+          <a:xfrm>
+            <a:off x="726991" y="3572163"/>
+            <a:ext cx="479618" cy="246221"/>
+          </a:xfrm>
+          <a:prstGeom prst="rect">
+            <a:avLst/>
+          </a:prstGeom>
+          <a:noFill/>
+        </p:spPr>
+        <p:txBody>
+          <a:bodyPr wrap="none" rtlCol="0">
+            <a:spAutoFit/>
+          </a:bodyPr>
+          <a:lstStyle>
+            <a:defPPr>
+              <a:defRPr lang="en-US"/>
+            </a:defPPr>
+            <a:lvl1pPr marL="0" algn="l" defTabSz="457200" rtl="0" eaLnBrk="1" latinLnBrk="0" hangingPunct="1">
+              <a:defRPr sz="1800" kern="1200">
+                <a:solidFill>
+                  <a:schemeClr val="tx1"/>
+                </a:solidFill>
+                <a:latin typeface="+mn-lt"/>
+                <a:ea typeface="+mn-ea"/>
+                <a:cs typeface="+mn-cs"/>
+              </a:defRPr>
+            </a:lvl1pPr>
+            <a:lvl2pPr marL="457200" algn="l" defTabSz="457200" rtl="0" eaLnBrk="1" latinLnBrk="0" hangingPunct="1">
+              <a:defRPr sz="1800" kern="1200">
+                <a:solidFill>
+                  <a:schemeClr val="tx1"/>
+                </a:solidFill>
+                <a:latin typeface="+mn-lt"/>
+                <a:ea typeface="+mn-ea"/>
+                <a:cs typeface="+mn-cs"/>
+              </a:defRPr>
+            </a:lvl2pPr>
+            <a:lvl3pPr marL="914400" algn="l" defTabSz="457200" rtl="0" eaLnBrk="1" latinLnBrk="0" hangingPunct="1">
+              <a:defRPr sz="1800" kern="1200">
+                <a:solidFill>
+                  <a:schemeClr val="tx1"/>
+                </a:solidFill>
+                <a:latin typeface="+mn-lt"/>
+                <a:ea typeface="+mn-ea"/>
+                <a:cs typeface="+mn-cs"/>
+              </a:defRPr>
+            </a:lvl3pPr>
+            <a:lvl4pPr marL="1371600" algn="l" defTabSz="457200" rtl="0" eaLnBrk="1" latinLnBrk="0" hangingPunct="1">
+              <a:defRPr sz="1800" kern="1200">
+                <a:solidFill>
+                  <a:schemeClr val="tx1"/>
+                </a:solidFill>
+                <a:latin typeface="+mn-lt"/>
+                <a:ea typeface="+mn-ea"/>
+                <a:cs typeface="+mn-cs"/>
+              </a:defRPr>
+            </a:lvl4pPr>
+            <a:lvl5pPr marL="1828800" algn="l" defTabSz="457200" rtl="0" eaLnBrk="1" latinLnBrk="0" hangingPunct="1">
+              <a:defRPr sz="1800" kern="1200">
+                <a:solidFill>
+                  <a:schemeClr val="tx1"/>
+                </a:solidFill>
+                <a:latin typeface="+mn-lt"/>
+                <a:ea typeface="+mn-ea"/>
+                <a:cs typeface="+mn-cs"/>
+              </a:defRPr>
+            </a:lvl5pPr>
+            <a:lvl6pPr marL="2286000" algn="l" defTabSz="457200" rtl="0" eaLnBrk="1" latinLnBrk="0" hangingPunct="1">
+              <a:defRPr sz="1800" kern="1200">
+                <a:solidFill>
+                  <a:schemeClr val="tx1"/>
+                </a:solidFill>
+                <a:latin typeface="+mn-lt"/>
+                <a:ea typeface="+mn-ea"/>
+                <a:cs typeface="+mn-cs"/>
+              </a:defRPr>
+            </a:lvl6pPr>
+            <a:lvl7pPr marL="2743200" algn="l" defTabSz="457200" rtl="0" eaLnBrk="1" latinLnBrk="0" hangingPunct="1">
+              <a:defRPr sz="1800" kern="1200">
+                <a:solidFill>
+                  <a:schemeClr val="tx1"/>
+                </a:solidFill>
+                <a:latin typeface="+mn-lt"/>
+                <a:ea typeface="+mn-ea"/>
+                <a:cs typeface="+mn-cs"/>
+              </a:defRPr>
+            </a:lvl7pPr>
+            <a:lvl8pPr marL="3200400" algn="l" defTabSz="457200" rtl="0" eaLnBrk="1" latinLnBrk="0" hangingPunct="1">
+              <a:defRPr sz="1800" kern="1200">
+                <a:solidFill>
+                  <a:schemeClr val="tx1"/>
+                </a:solidFill>
+                <a:latin typeface="+mn-lt"/>
+                <a:ea typeface="+mn-ea"/>
+                <a:cs typeface="+mn-cs"/>
+              </a:defRPr>
+            </a:lvl8pPr>
+            <a:lvl9pPr marL="3657600" algn="l" defTabSz="457200" rtl="0" eaLnBrk="1" latinLnBrk="0" hangingPunct="1">
+              <a:defRPr sz="1800" kern="1200">
+                <a:solidFill>
+                  <a:schemeClr val="tx1"/>
+                </a:solidFill>
+                <a:latin typeface="+mn-lt"/>
+                <a:ea typeface="+mn-ea"/>
+                <a:cs typeface="+mn-cs"/>
+              </a:defRPr>
+            </a:lvl9pPr>
+          </a:lstStyle>
+          <a:p>
+            <a:r>
+              <a:rPr lang="en-US" sz="1000" dirty="0"/>
+              <a:t>OUT1</a:t>
+            </a:r>
+          </a:p>
+        </p:txBody>
+      </p:sp>
+      <p:sp>
+        <p:nvSpPr>
+          <p:cNvPr id="13" name="TextBox 28">
+            <a:extLst>
+              <a:ext uri="{FF2B5EF4-FFF2-40B4-BE49-F238E27FC236}">
+                <a16:creationId xmlns:a16="http://schemas.microsoft.com/office/drawing/2014/main" id="{C7A21688-F6FF-4300-9FD6-8AA0916A532B}"/>
+              </a:ext>
+            </a:extLst>
+          </p:cNvPr>
+          <p:cNvSpPr txBox="1"/>
+          <p:nvPr/>
+        </p:nvSpPr>
+        <p:spPr>
+          <a:xfrm>
+            <a:off x="1030681" y="2976774"/>
+            <a:ext cx="365806" cy="246221"/>
+          </a:xfrm>
+          <a:prstGeom prst="rect">
+            <a:avLst/>
+          </a:prstGeom>
+          <a:noFill/>
+        </p:spPr>
+        <p:txBody>
+          <a:bodyPr wrap="none" rtlCol="0">
+            <a:spAutoFit/>
+          </a:bodyPr>
+          <a:lstStyle>
+            <a:defPPr>
+              <a:defRPr lang="en-US"/>
+            </a:defPPr>
+            <a:lvl1pPr marL="0" algn="l" defTabSz="457200" rtl="0" eaLnBrk="1" latinLnBrk="0" hangingPunct="1">
+              <a:defRPr sz="1800" kern="1200">
+                <a:solidFill>
+                  <a:schemeClr val="tx1"/>
+                </a:solidFill>
+                <a:latin typeface="+mn-lt"/>
+                <a:ea typeface="+mn-ea"/>
+                <a:cs typeface="+mn-cs"/>
+              </a:defRPr>
+            </a:lvl1pPr>
+            <a:lvl2pPr marL="457200" algn="l" defTabSz="457200" rtl="0" eaLnBrk="1" latinLnBrk="0" hangingPunct="1">
+              <a:defRPr sz="1800" kern="1200">
+                <a:solidFill>
+                  <a:schemeClr val="tx1"/>
+                </a:solidFill>
+                <a:latin typeface="+mn-lt"/>
+                <a:ea typeface="+mn-ea"/>
+                <a:cs typeface="+mn-cs"/>
+              </a:defRPr>
+            </a:lvl2pPr>
+            <a:lvl3pPr marL="914400" algn="l" defTabSz="457200" rtl="0" eaLnBrk="1" latinLnBrk="0" hangingPunct="1">
+              <a:defRPr sz="1800" kern="1200">
+                <a:solidFill>
+                  <a:schemeClr val="tx1"/>
+                </a:solidFill>
+                <a:latin typeface="+mn-lt"/>
+                <a:ea typeface="+mn-ea"/>
+                <a:cs typeface="+mn-cs"/>
+              </a:defRPr>
+            </a:lvl3pPr>
+            <a:lvl4pPr marL="1371600" algn="l" defTabSz="457200" rtl="0" eaLnBrk="1" latinLnBrk="0" hangingPunct="1">
+              <a:defRPr sz="1800" kern="1200">
+                <a:solidFill>
+                  <a:schemeClr val="tx1"/>
+                </a:solidFill>
+                <a:latin typeface="+mn-lt"/>
+                <a:ea typeface="+mn-ea"/>
+                <a:cs typeface="+mn-cs"/>
+              </a:defRPr>
+            </a:lvl4pPr>
+            <a:lvl5pPr marL="1828800" algn="l" defTabSz="457200" rtl="0" eaLnBrk="1" latinLnBrk="0" hangingPunct="1">
+              <a:defRPr sz="1800" kern="1200">
+                <a:solidFill>
+                  <a:schemeClr val="tx1"/>
+                </a:solidFill>
+                <a:latin typeface="+mn-lt"/>
+                <a:ea typeface="+mn-ea"/>
+                <a:cs typeface="+mn-cs"/>
+              </a:defRPr>
+            </a:lvl5pPr>
+            <a:lvl6pPr marL="2286000" algn="l" defTabSz="457200" rtl="0" eaLnBrk="1" latinLnBrk="0" hangingPunct="1">
+              <a:defRPr sz="1800" kern="1200">
+                <a:solidFill>
+                  <a:schemeClr val="tx1"/>
+                </a:solidFill>
+                <a:latin typeface="+mn-lt"/>
+                <a:ea typeface="+mn-ea"/>
+                <a:cs typeface="+mn-cs"/>
+              </a:defRPr>
+            </a:lvl6pPr>
+            <a:lvl7pPr marL="2743200" algn="l" defTabSz="457200" rtl="0" eaLnBrk="1" latinLnBrk="0" hangingPunct="1">
+              <a:defRPr sz="1800" kern="1200">
+                <a:solidFill>
+                  <a:schemeClr val="tx1"/>
+                </a:solidFill>
+                <a:latin typeface="+mn-lt"/>
+                <a:ea typeface="+mn-ea"/>
+                <a:cs typeface="+mn-cs"/>
+              </a:defRPr>
+            </a:lvl7pPr>
+            <a:lvl8pPr marL="3200400" algn="l" defTabSz="457200" rtl="0" eaLnBrk="1" latinLnBrk="0" hangingPunct="1">
+              <a:defRPr sz="1800" kern="1200">
+                <a:solidFill>
+                  <a:schemeClr val="tx1"/>
+                </a:solidFill>
+                <a:latin typeface="+mn-lt"/>
+                <a:ea typeface="+mn-ea"/>
+                <a:cs typeface="+mn-cs"/>
+              </a:defRPr>
+            </a:lvl8pPr>
+            <a:lvl9pPr marL="3657600" algn="l" defTabSz="457200" rtl="0" eaLnBrk="1" latinLnBrk="0" hangingPunct="1">
+              <a:defRPr sz="1800" kern="1200">
+                <a:solidFill>
+                  <a:schemeClr val="tx1"/>
+                </a:solidFill>
+                <a:latin typeface="+mn-lt"/>
+                <a:ea typeface="+mn-ea"/>
+                <a:cs typeface="+mn-cs"/>
+              </a:defRPr>
+            </a:lvl9pPr>
+          </a:lstStyle>
+          <a:p>
+            <a:r>
+              <a:rPr lang="en-US" sz="1000" dirty="0"/>
+              <a:t>IN2</a:t>
+            </a:r>
+          </a:p>
+        </p:txBody>
+      </p:sp>
+      <p:sp>
+        <p:nvSpPr>
+          <p:cNvPr id="14" name="TextBox 29">
+            <a:extLst>
+              <a:ext uri="{FF2B5EF4-FFF2-40B4-BE49-F238E27FC236}">
+                <a16:creationId xmlns:a16="http://schemas.microsoft.com/office/drawing/2014/main" id="{B3048EC2-3C66-414A-B7AD-006ED2B6F7D1}"/>
+              </a:ext>
+            </a:extLst>
+          </p:cNvPr>
+          <p:cNvSpPr txBox="1"/>
+          <p:nvPr/>
+        </p:nvSpPr>
+        <p:spPr>
+          <a:xfrm>
+            <a:off x="1037883" y="3580670"/>
+            <a:ext cx="479618" cy="246221"/>
+          </a:xfrm>
+          <a:prstGeom prst="rect">
+            <a:avLst/>
+          </a:prstGeom>
+          <a:noFill/>
+        </p:spPr>
+        <p:txBody>
+          <a:bodyPr wrap="none" rtlCol="0">
+            <a:spAutoFit/>
+          </a:bodyPr>
+          <a:lstStyle>
+            <a:defPPr>
+              <a:defRPr lang="en-US"/>
+            </a:defPPr>
+            <a:lvl1pPr marL="0" algn="l" defTabSz="457200" rtl="0" eaLnBrk="1" latinLnBrk="0" hangingPunct="1">
+              <a:defRPr sz="1800" kern="1200">
+                <a:solidFill>
+                  <a:schemeClr val="tx1"/>
+                </a:solidFill>
+                <a:latin typeface="+mn-lt"/>
+                <a:ea typeface="+mn-ea"/>
+                <a:cs typeface="+mn-cs"/>
+              </a:defRPr>
+            </a:lvl1pPr>
+            <a:lvl2pPr marL="457200" algn="l" defTabSz="457200" rtl="0" eaLnBrk="1" latinLnBrk="0" hangingPunct="1">
+              <a:defRPr sz="1800" kern="1200">
+                <a:solidFill>
+                  <a:schemeClr val="tx1"/>
+                </a:solidFill>
+                <a:latin typeface="+mn-lt"/>
+                <a:ea typeface="+mn-ea"/>
+                <a:cs typeface="+mn-cs"/>
+              </a:defRPr>
+            </a:lvl2pPr>
+            <a:lvl3pPr marL="914400" algn="l" defTabSz="457200" rtl="0" eaLnBrk="1" latinLnBrk="0" hangingPunct="1">
+              <a:defRPr sz="1800" kern="1200">
+                <a:solidFill>
+                  <a:schemeClr val="tx1"/>
+                </a:solidFill>
+                <a:latin typeface="+mn-lt"/>
+                <a:ea typeface="+mn-ea"/>
+                <a:cs typeface="+mn-cs"/>
+              </a:defRPr>
+            </a:lvl3pPr>
+            <a:lvl4pPr marL="1371600" algn="l" defTabSz="457200" rtl="0" eaLnBrk="1" latinLnBrk="0" hangingPunct="1">
+              <a:defRPr sz="1800" kern="1200">
+                <a:solidFill>
+                  <a:schemeClr val="tx1"/>
+                </a:solidFill>
+                <a:latin typeface="+mn-lt"/>
+                <a:ea typeface="+mn-ea"/>
+                <a:cs typeface="+mn-cs"/>
+              </a:defRPr>
+            </a:lvl4pPr>
+            <a:lvl5pPr marL="1828800" algn="l" defTabSz="457200" rtl="0" eaLnBrk="1" latinLnBrk="0" hangingPunct="1">
+              <a:defRPr sz="1800" kern="1200">
+                <a:solidFill>
+                  <a:schemeClr val="tx1"/>
+                </a:solidFill>
+                <a:latin typeface="+mn-lt"/>
+                <a:ea typeface="+mn-ea"/>
+                <a:cs typeface="+mn-cs"/>
+              </a:defRPr>
+            </a:lvl5pPr>
+            <a:lvl6pPr marL="2286000" algn="l" defTabSz="457200" rtl="0" eaLnBrk="1" latinLnBrk="0" hangingPunct="1">
+              <a:defRPr sz="1800" kern="1200">
+                <a:solidFill>
+                  <a:schemeClr val="tx1"/>
+                </a:solidFill>
+                <a:latin typeface="+mn-lt"/>
+                <a:ea typeface="+mn-ea"/>
+                <a:cs typeface="+mn-cs"/>
+              </a:defRPr>
+            </a:lvl6pPr>
+            <a:lvl7pPr marL="2743200" algn="l" defTabSz="457200" rtl="0" eaLnBrk="1" latinLnBrk="0" hangingPunct="1">
+              <a:defRPr sz="1800" kern="1200">
+                <a:solidFill>
+                  <a:schemeClr val="tx1"/>
+                </a:solidFill>
+                <a:latin typeface="+mn-lt"/>
+                <a:ea typeface="+mn-ea"/>
+                <a:cs typeface="+mn-cs"/>
+              </a:defRPr>
+            </a:lvl7pPr>
+            <a:lvl8pPr marL="3200400" algn="l" defTabSz="457200" rtl="0" eaLnBrk="1" latinLnBrk="0" hangingPunct="1">
+              <a:defRPr sz="1800" kern="1200">
+                <a:solidFill>
+                  <a:schemeClr val="tx1"/>
+                </a:solidFill>
+                <a:latin typeface="+mn-lt"/>
+                <a:ea typeface="+mn-ea"/>
+                <a:cs typeface="+mn-cs"/>
+              </a:defRPr>
+            </a:lvl8pPr>
+            <a:lvl9pPr marL="3657600" algn="l" defTabSz="457200" rtl="0" eaLnBrk="1" latinLnBrk="0" hangingPunct="1">
+              <a:defRPr sz="1800" kern="1200">
+                <a:solidFill>
+                  <a:schemeClr val="tx1"/>
+                </a:solidFill>
+                <a:latin typeface="+mn-lt"/>
+                <a:ea typeface="+mn-ea"/>
+                <a:cs typeface="+mn-cs"/>
+              </a:defRPr>
+            </a:lvl9pPr>
+          </a:lstStyle>
+          <a:p>
+            <a:r>
+              <a:rPr lang="en-US" sz="1000" dirty="0"/>
+              <a:t>OUT2</a:t>
+            </a:r>
+          </a:p>
+        </p:txBody>
+      </p:sp>
+      <p:sp>
+        <p:nvSpPr>
+          <p:cNvPr id="15" name="TextBox 30">
+            <a:extLst>
+              <a:ext uri="{FF2B5EF4-FFF2-40B4-BE49-F238E27FC236}">
+                <a16:creationId xmlns:a16="http://schemas.microsoft.com/office/drawing/2014/main" id="{CEAD26CE-F396-4AE0-B9EA-B7A72642CA03}"/>
+              </a:ext>
+            </a:extLst>
+          </p:cNvPr>
+          <p:cNvSpPr txBox="1"/>
+          <p:nvPr/>
+        </p:nvSpPr>
+        <p:spPr>
+          <a:xfrm>
+            <a:off x="1275625" y="2984382"/>
+            <a:ext cx="603050" cy="246221"/>
+          </a:xfrm>
+          <a:prstGeom prst="rect">
+            <a:avLst/>
+          </a:prstGeom>
+          <a:noFill/>
+        </p:spPr>
+        <p:txBody>
+          <a:bodyPr wrap="none" rtlCol="0">
+            <a:spAutoFit/>
+          </a:bodyPr>
+          <a:lstStyle>
+            <a:defPPr>
+              <a:defRPr lang="en-US"/>
+            </a:defPPr>
+            <a:lvl1pPr marL="0" algn="l" defTabSz="457200" rtl="0" eaLnBrk="1" latinLnBrk="0" hangingPunct="1">
+              <a:defRPr sz="1800" kern="1200">
+                <a:solidFill>
+                  <a:schemeClr val="tx1"/>
+                </a:solidFill>
+                <a:latin typeface="+mn-lt"/>
+                <a:ea typeface="+mn-ea"/>
+                <a:cs typeface="+mn-cs"/>
+              </a:defRPr>
+            </a:lvl1pPr>
+            <a:lvl2pPr marL="457200" algn="l" defTabSz="457200" rtl="0" eaLnBrk="1" latinLnBrk="0" hangingPunct="1">
+              <a:defRPr sz="1800" kern="1200">
+                <a:solidFill>
+                  <a:schemeClr val="tx1"/>
+                </a:solidFill>
+                <a:latin typeface="+mn-lt"/>
+                <a:ea typeface="+mn-ea"/>
+                <a:cs typeface="+mn-cs"/>
+              </a:defRPr>
+            </a:lvl2pPr>
+            <a:lvl3pPr marL="914400" algn="l" defTabSz="457200" rtl="0" eaLnBrk="1" latinLnBrk="0" hangingPunct="1">
+              <a:defRPr sz="1800" kern="1200">
+                <a:solidFill>
+                  <a:schemeClr val="tx1"/>
+                </a:solidFill>
+                <a:latin typeface="+mn-lt"/>
+                <a:ea typeface="+mn-ea"/>
+                <a:cs typeface="+mn-cs"/>
+              </a:defRPr>
+            </a:lvl3pPr>
+            <a:lvl4pPr marL="1371600" algn="l" defTabSz="457200" rtl="0" eaLnBrk="1" latinLnBrk="0" hangingPunct="1">
+              <a:defRPr sz="1800" kern="1200">
+                <a:solidFill>
+                  <a:schemeClr val="tx1"/>
+                </a:solidFill>
+                <a:latin typeface="+mn-lt"/>
+                <a:ea typeface="+mn-ea"/>
+                <a:cs typeface="+mn-cs"/>
+              </a:defRPr>
+            </a:lvl4pPr>
+            <a:lvl5pPr marL="1828800" algn="l" defTabSz="457200" rtl="0" eaLnBrk="1" latinLnBrk="0" hangingPunct="1">
+              <a:defRPr sz="1800" kern="1200">
+                <a:solidFill>
+                  <a:schemeClr val="tx1"/>
+                </a:solidFill>
+                <a:latin typeface="+mn-lt"/>
+                <a:ea typeface="+mn-ea"/>
+                <a:cs typeface="+mn-cs"/>
+              </a:defRPr>
+            </a:lvl5pPr>
+            <a:lvl6pPr marL="2286000" algn="l" defTabSz="457200" rtl="0" eaLnBrk="1" latinLnBrk="0" hangingPunct="1">
+              <a:defRPr sz="1800" kern="1200">
+                <a:solidFill>
+                  <a:schemeClr val="tx1"/>
+                </a:solidFill>
+                <a:latin typeface="+mn-lt"/>
+                <a:ea typeface="+mn-ea"/>
+                <a:cs typeface="+mn-cs"/>
+              </a:defRPr>
+            </a:lvl6pPr>
+            <a:lvl7pPr marL="2743200" algn="l" defTabSz="457200" rtl="0" eaLnBrk="1" latinLnBrk="0" hangingPunct="1">
+              <a:defRPr sz="1800" kern="1200">
+                <a:solidFill>
+                  <a:schemeClr val="tx1"/>
+                </a:solidFill>
+                <a:latin typeface="+mn-lt"/>
+                <a:ea typeface="+mn-ea"/>
+                <a:cs typeface="+mn-cs"/>
+              </a:defRPr>
+            </a:lvl7pPr>
+            <a:lvl8pPr marL="3200400" algn="l" defTabSz="457200" rtl="0" eaLnBrk="1" latinLnBrk="0" hangingPunct="1">
+              <a:defRPr sz="1800" kern="1200">
+                <a:solidFill>
+                  <a:schemeClr val="tx1"/>
+                </a:solidFill>
+                <a:latin typeface="+mn-lt"/>
+                <a:ea typeface="+mn-ea"/>
+                <a:cs typeface="+mn-cs"/>
+              </a:defRPr>
+            </a:lvl8pPr>
+            <a:lvl9pPr marL="3657600" algn="l" defTabSz="457200" rtl="0" eaLnBrk="1" latinLnBrk="0" hangingPunct="1">
+              <a:defRPr sz="1800" kern="1200">
+                <a:solidFill>
+                  <a:schemeClr val="tx1"/>
+                </a:solidFill>
+                <a:latin typeface="+mn-lt"/>
+                <a:ea typeface="+mn-ea"/>
+                <a:cs typeface="+mn-cs"/>
+              </a:defRPr>
+            </a:lvl9pPr>
+          </a:lstStyle>
+          <a:p>
+            <a:r>
+              <a:rPr lang="en-US" sz="1000" dirty="0"/>
+              <a:t>LNA out</a:t>
+            </a:r>
+          </a:p>
+        </p:txBody>
+      </p:sp>
+      <p:sp>
+        <p:nvSpPr>
+          <p:cNvPr id="16" name="TextBox 31">
+            <a:extLst>
+              <a:ext uri="{FF2B5EF4-FFF2-40B4-BE49-F238E27FC236}">
+                <a16:creationId xmlns:a16="http://schemas.microsoft.com/office/drawing/2014/main" id="{0EE95E75-F335-4AFC-8D63-AD84E2B2798E}"/>
+              </a:ext>
+            </a:extLst>
+          </p:cNvPr>
+          <p:cNvSpPr txBox="1"/>
+          <p:nvPr/>
+        </p:nvSpPr>
+        <p:spPr>
+          <a:xfrm>
+            <a:off x="1549942" y="3591941"/>
+            <a:ext cx="431528" cy="246221"/>
+          </a:xfrm>
+          <a:prstGeom prst="rect">
+            <a:avLst/>
+          </a:prstGeom>
+          <a:noFill/>
+        </p:spPr>
+        <p:txBody>
+          <a:bodyPr wrap="none" rtlCol="0">
+            <a:spAutoFit/>
+          </a:bodyPr>
+          <a:lstStyle>
+            <a:defPPr>
+              <a:defRPr lang="en-US"/>
+            </a:defPPr>
+            <a:lvl1pPr marL="0" algn="l" defTabSz="457200" rtl="0" eaLnBrk="1" latinLnBrk="0" hangingPunct="1">
+              <a:defRPr sz="1800" kern="1200">
+                <a:solidFill>
+                  <a:schemeClr val="tx1"/>
+                </a:solidFill>
+                <a:latin typeface="+mn-lt"/>
+                <a:ea typeface="+mn-ea"/>
+                <a:cs typeface="+mn-cs"/>
+              </a:defRPr>
+            </a:lvl1pPr>
+            <a:lvl2pPr marL="457200" algn="l" defTabSz="457200" rtl="0" eaLnBrk="1" latinLnBrk="0" hangingPunct="1">
+              <a:defRPr sz="1800" kern="1200">
+                <a:solidFill>
+                  <a:schemeClr val="tx1"/>
+                </a:solidFill>
+                <a:latin typeface="+mn-lt"/>
+                <a:ea typeface="+mn-ea"/>
+                <a:cs typeface="+mn-cs"/>
+              </a:defRPr>
+            </a:lvl2pPr>
+            <a:lvl3pPr marL="914400" algn="l" defTabSz="457200" rtl="0" eaLnBrk="1" latinLnBrk="0" hangingPunct="1">
+              <a:defRPr sz="1800" kern="1200">
+                <a:solidFill>
+                  <a:schemeClr val="tx1"/>
+                </a:solidFill>
+                <a:latin typeface="+mn-lt"/>
+                <a:ea typeface="+mn-ea"/>
+                <a:cs typeface="+mn-cs"/>
+              </a:defRPr>
+            </a:lvl3pPr>
+            <a:lvl4pPr marL="1371600" algn="l" defTabSz="457200" rtl="0" eaLnBrk="1" latinLnBrk="0" hangingPunct="1">
+              <a:defRPr sz="1800" kern="1200">
+                <a:solidFill>
+                  <a:schemeClr val="tx1"/>
+                </a:solidFill>
+                <a:latin typeface="+mn-lt"/>
+                <a:ea typeface="+mn-ea"/>
+                <a:cs typeface="+mn-cs"/>
+              </a:defRPr>
+            </a:lvl4pPr>
+            <a:lvl5pPr marL="1828800" algn="l" defTabSz="457200" rtl="0" eaLnBrk="1" latinLnBrk="0" hangingPunct="1">
+              <a:defRPr sz="1800" kern="1200">
+                <a:solidFill>
+                  <a:schemeClr val="tx1"/>
+                </a:solidFill>
+                <a:latin typeface="+mn-lt"/>
+                <a:ea typeface="+mn-ea"/>
+                <a:cs typeface="+mn-cs"/>
+              </a:defRPr>
+            </a:lvl5pPr>
+            <a:lvl6pPr marL="2286000" algn="l" defTabSz="457200" rtl="0" eaLnBrk="1" latinLnBrk="0" hangingPunct="1">
+              <a:defRPr sz="1800" kern="1200">
+                <a:solidFill>
+                  <a:schemeClr val="tx1"/>
+                </a:solidFill>
+                <a:latin typeface="+mn-lt"/>
+                <a:ea typeface="+mn-ea"/>
+                <a:cs typeface="+mn-cs"/>
+              </a:defRPr>
+            </a:lvl6pPr>
+            <a:lvl7pPr marL="2743200" algn="l" defTabSz="457200" rtl="0" eaLnBrk="1" latinLnBrk="0" hangingPunct="1">
+              <a:defRPr sz="1800" kern="1200">
+                <a:solidFill>
+                  <a:schemeClr val="tx1"/>
+                </a:solidFill>
+                <a:latin typeface="+mn-lt"/>
+                <a:ea typeface="+mn-ea"/>
+                <a:cs typeface="+mn-cs"/>
+              </a:defRPr>
+            </a:lvl7pPr>
+            <a:lvl8pPr marL="3200400" algn="l" defTabSz="457200" rtl="0" eaLnBrk="1" latinLnBrk="0" hangingPunct="1">
+              <a:defRPr sz="1800" kern="1200">
+                <a:solidFill>
+                  <a:schemeClr val="tx1"/>
+                </a:solidFill>
+                <a:latin typeface="+mn-lt"/>
+                <a:ea typeface="+mn-ea"/>
+                <a:cs typeface="+mn-cs"/>
+              </a:defRPr>
+            </a:lvl8pPr>
+            <a:lvl9pPr marL="3657600" algn="l" defTabSz="457200" rtl="0" eaLnBrk="1" latinLnBrk="0" hangingPunct="1">
+              <a:defRPr sz="1800" kern="1200">
+                <a:solidFill>
+                  <a:schemeClr val="tx1"/>
+                </a:solidFill>
+                <a:latin typeface="+mn-lt"/>
+                <a:ea typeface="+mn-ea"/>
+                <a:cs typeface="+mn-cs"/>
+              </a:defRPr>
+            </a:lvl9pPr>
+          </a:lstStyle>
+          <a:p>
+            <a:r>
+              <a:rPr lang="en-US" sz="1000" dirty="0"/>
+              <a:t>Ex In</a:t>
+            </a:r>
+          </a:p>
+        </p:txBody>
+      </p:sp>
+      <p:sp>
+        <p:nvSpPr>
+          <p:cNvPr id="17" name="TextBox 32">
+            <a:extLst>
+              <a:ext uri="{FF2B5EF4-FFF2-40B4-BE49-F238E27FC236}">
+                <a16:creationId xmlns:a16="http://schemas.microsoft.com/office/drawing/2014/main" id="{4392F2EB-EB7D-4E42-B463-5A6511A65FCB}"/>
+              </a:ext>
+            </a:extLst>
+          </p:cNvPr>
+          <p:cNvSpPr txBox="1"/>
+          <p:nvPr/>
+        </p:nvSpPr>
+        <p:spPr>
+          <a:xfrm>
+            <a:off x="1787599" y="3002033"/>
+            <a:ext cx="369012" cy="246221"/>
+          </a:xfrm>
+          <a:prstGeom prst="rect">
+            <a:avLst/>
+          </a:prstGeom>
+          <a:noFill/>
+        </p:spPr>
+        <p:txBody>
+          <a:bodyPr wrap="none" rtlCol="0">
+            <a:spAutoFit/>
+          </a:bodyPr>
+          <a:lstStyle>
+            <a:defPPr>
+              <a:defRPr lang="en-US"/>
+            </a:defPPr>
+            <a:lvl1pPr marL="0" algn="l" defTabSz="457200" rtl="0" eaLnBrk="1" latinLnBrk="0" hangingPunct="1">
+              <a:defRPr sz="1800" kern="1200">
+                <a:solidFill>
+                  <a:schemeClr val="tx1"/>
+                </a:solidFill>
+                <a:latin typeface="+mn-lt"/>
+                <a:ea typeface="+mn-ea"/>
+                <a:cs typeface="+mn-cs"/>
+              </a:defRPr>
+            </a:lvl1pPr>
+            <a:lvl2pPr marL="457200" algn="l" defTabSz="457200" rtl="0" eaLnBrk="1" latinLnBrk="0" hangingPunct="1">
+              <a:defRPr sz="1800" kern="1200">
+                <a:solidFill>
+                  <a:schemeClr val="tx1"/>
+                </a:solidFill>
+                <a:latin typeface="+mn-lt"/>
+                <a:ea typeface="+mn-ea"/>
+                <a:cs typeface="+mn-cs"/>
+              </a:defRPr>
+            </a:lvl2pPr>
+            <a:lvl3pPr marL="914400" algn="l" defTabSz="457200" rtl="0" eaLnBrk="1" latinLnBrk="0" hangingPunct="1">
+              <a:defRPr sz="1800" kern="1200">
+                <a:solidFill>
+                  <a:schemeClr val="tx1"/>
+                </a:solidFill>
+                <a:latin typeface="+mn-lt"/>
+                <a:ea typeface="+mn-ea"/>
+                <a:cs typeface="+mn-cs"/>
+              </a:defRPr>
+            </a:lvl3pPr>
+            <a:lvl4pPr marL="1371600" algn="l" defTabSz="457200" rtl="0" eaLnBrk="1" latinLnBrk="0" hangingPunct="1">
+              <a:defRPr sz="1800" kern="1200">
+                <a:solidFill>
+                  <a:schemeClr val="tx1"/>
+                </a:solidFill>
+                <a:latin typeface="+mn-lt"/>
+                <a:ea typeface="+mn-ea"/>
+                <a:cs typeface="+mn-cs"/>
+              </a:defRPr>
+            </a:lvl4pPr>
+            <a:lvl5pPr marL="1828800" algn="l" defTabSz="457200" rtl="0" eaLnBrk="1" latinLnBrk="0" hangingPunct="1">
+              <a:defRPr sz="1800" kern="1200">
+                <a:solidFill>
+                  <a:schemeClr val="tx1"/>
+                </a:solidFill>
+                <a:latin typeface="+mn-lt"/>
+                <a:ea typeface="+mn-ea"/>
+                <a:cs typeface="+mn-cs"/>
+              </a:defRPr>
+            </a:lvl5pPr>
+            <a:lvl6pPr marL="2286000" algn="l" defTabSz="457200" rtl="0" eaLnBrk="1" latinLnBrk="0" hangingPunct="1">
+              <a:defRPr sz="1800" kern="1200">
+                <a:solidFill>
+                  <a:schemeClr val="tx1"/>
+                </a:solidFill>
+                <a:latin typeface="+mn-lt"/>
+                <a:ea typeface="+mn-ea"/>
+                <a:cs typeface="+mn-cs"/>
+              </a:defRPr>
+            </a:lvl6pPr>
+            <a:lvl7pPr marL="2743200" algn="l" defTabSz="457200" rtl="0" eaLnBrk="1" latinLnBrk="0" hangingPunct="1">
+              <a:defRPr sz="1800" kern="1200">
+                <a:solidFill>
+                  <a:schemeClr val="tx1"/>
+                </a:solidFill>
+                <a:latin typeface="+mn-lt"/>
+                <a:ea typeface="+mn-ea"/>
+                <a:cs typeface="+mn-cs"/>
+              </a:defRPr>
+            </a:lvl7pPr>
+            <a:lvl8pPr marL="3200400" algn="l" defTabSz="457200" rtl="0" eaLnBrk="1" latinLnBrk="0" hangingPunct="1">
+              <a:defRPr sz="1800" kern="1200">
+                <a:solidFill>
+                  <a:schemeClr val="tx1"/>
+                </a:solidFill>
+                <a:latin typeface="+mn-lt"/>
+                <a:ea typeface="+mn-ea"/>
+                <a:cs typeface="+mn-cs"/>
+              </a:defRPr>
+            </a:lvl8pPr>
+            <a:lvl9pPr marL="3657600" algn="l" defTabSz="457200" rtl="0" eaLnBrk="1" latinLnBrk="0" hangingPunct="1">
+              <a:defRPr sz="1800" kern="1200">
+                <a:solidFill>
+                  <a:schemeClr val="tx1"/>
+                </a:solidFill>
+                <a:latin typeface="+mn-lt"/>
+                <a:ea typeface="+mn-ea"/>
+                <a:cs typeface="+mn-cs"/>
+              </a:defRPr>
+            </a:lvl9pPr>
+          </a:lstStyle>
+          <a:p>
+            <a:r>
+              <a:rPr lang="en-US" sz="1000" dirty="0"/>
+              <a:t>Ant</a:t>
+            </a:r>
+          </a:p>
+        </p:txBody>
+      </p:sp>
+      <p:sp>
+        <p:nvSpPr>
+          <p:cNvPr id="18" name="TextBox 33">
+            <a:extLst>
+              <a:ext uri="{FF2B5EF4-FFF2-40B4-BE49-F238E27FC236}">
+                <a16:creationId xmlns:a16="http://schemas.microsoft.com/office/drawing/2014/main" id="{27FEF650-3788-4042-97EB-CDF9EA6F4CBD}"/>
+              </a:ext>
+            </a:extLst>
+          </p:cNvPr>
+          <p:cNvSpPr txBox="1"/>
+          <p:nvPr/>
+        </p:nvSpPr>
+        <p:spPr>
+          <a:xfrm>
+            <a:off x="1930315" y="3613616"/>
+            <a:ext cx="481222" cy="246221"/>
+          </a:xfrm>
+          <a:prstGeom prst="rect">
+            <a:avLst/>
+          </a:prstGeom>
+          <a:noFill/>
+        </p:spPr>
+        <p:txBody>
+          <a:bodyPr wrap="none" rtlCol="0">
+            <a:spAutoFit/>
+          </a:bodyPr>
+          <a:lstStyle>
+            <a:defPPr>
+              <a:defRPr lang="en-US"/>
+            </a:defPPr>
+            <a:lvl1pPr marL="0" algn="l" defTabSz="457200" rtl="0" eaLnBrk="1" latinLnBrk="0" hangingPunct="1">
+              <a:defRPr sz="1800" kern="1200">
+                <a:solidFill>
+                  <a:schemeClr val="tx1"/>
+                </a:solidFill>
+                <a:latin typeface="+mn-lt"/>
+                <a:ea typeface="+mn-ea"/>
+                <a:cs typeface="+mn-cs"/>
+              </a:defRPr>
+            </a:lvl1pPr>
+            <a:lvl2pPr marL="457200" algn="l" defTabSz="457200" rtl="0" eaLnBrk="1" latinLnBrk="0" hangingPunct="1">
+              <a:defRPr sz="1800" kern="1200">
+                <a:solidFill>
+                  <a:schemeClr val="tx1"/>
+                </a:solidFill>
+                <a:latin typeface="+mn-lt"/>
+                <a:ea typeface="+mn-ea"/>
+                <a:cs typeface="+mn-cs"/>
+              </a:defRPr>
+            </a:lvl2pPr>
+            <a:lvl3pPr marL="914400" algn="l" defTabSz="457200" rtl="0" eaLnBrk="1" latinLnBrk="0" hangingPunct="1">
+              <a:defRPr sz="1800" kern="1200">
+                <a:solidFill>
+                  <a:schemeClr val="tx1"/>
+                </a:solidFill>
+                <a:latin typeface="+mn-lt"/>
+                <a:ea typeface="+mn-ea"/>
+                <a:cs typeface="+mn-cs"/>
+              </a:defRPr>
+            </a:lvl3pPr>
+            <a:lvl4pPr marL="1371600" algn="l" defTabSz="457200" rtl="0" eaLnBrk="1" latinLnBrk="0" hangingPunct="1">
+              <a:defRPr sz="1800" kern="1200">
+                <a:solidFill>
+                  <a:schemeClr val="tx1"/>
+                </a:solidFill>
+                <a:latin typeface="+mn-lt"/>
+                <a:ea typeface="+mn-ea"/>
+                <a:cs typeface="+mn-cs"/>
+              </a:defRPr>
+            </a:lvl4pPr>
+            <a:lvl5pPr marL="1828800" algn="l" defTabSz="457200" rtl="0" eaLnBrk="1" latinLnBrk="0" hangingPunct="1">
+              <a:defRPr sz="1800" kern="1200">
+                <a:solidFill>
+                  <a:schemeClr val="tx1"/>
+                </a:solidFill>
+                <a:latin typeface="+mn-lt"/>
+                <a:ea typeface="+mn-ea"/>
+                <a:cs typeface="+mn-cs"/>
+              </a:defRPr>
+            </a:lvl5pPr>
+            <a:lvl6pPr marL="2286000" algn="l" defTabSz="457200" rtl="0" eaLnBrk="1" latinLnBrk="0" hangingPunct="1">
+              <a:defRPr sz="1800" kern="1200">
+                <a:solidFill>
+                  <a:schemeClr val="tx1"/>
+                </a:solidFill>
+                <a:latin typeface="+mn-lt"/>
+                <a:ea typeface="+mn-ea"/>
+                <a:cs typeface="+mn-cs"/>
+              </a:defRPr>
+            </a:lvl6pPr>
+            <a:lvl7pPr marL="2743200" algn="l" defTabSz="457200" rtl="0" eaLnBrk="1" latinLnBrk="0" hangingPunct="1">
+              <a:defRPr sz="1800" kern="1200">
+                <a:solidFill>
+                  <a:schemeClr val="tx1"/>
+                </a:solidFill>
+                <a:latin typeface="+mn-lt"/>
+                <a:ea typeface="+mn-ea"/>
+                <a:cs typeface="+mn-cs"/>
+              </a:defRPr>
+            </a:lvl7pPr>
+            <a:lvl8pPr marL="3200400" algn="l" defTabSz="457200" rtl="0" eaLnBrk="1" latinLnBrk="0" hangingPunct="1">
+              <a:defRPr sz="1800" kern="1200">
+                <a:solidFill>
+                  <a:schemeClr val="tx1"/>
+                </a:solidFill>
+                <a:latin typeface="+mn-lt"/>
+                <a:ea typeface="+mn-ea"/>
+                <a:cs typeface="+mn-cs"/>
+              </a:defRPr>
+            </a:lvl8pPr>
+            <a:lvl9pPr marL="3657600" algn="l" defTabSz="457200" rtl="0" eaLnBrk="1" latinLnBrk="0" hangingPunct="1">
+              <a:defRPr sz="1800" kern="1200">
+                <a:solidFill>
+                  <a:schemeClr val="tx1"/>
+                </a:solidFill>
+                <a:latin typeface="+mn-lt"/>
+                <a:ea typeface="+mn-ea"/>
+                <a:cs typeface="+mn-cs"/>
+              </a:defRPr>
+            </a:lvl9pPr>
+          </a:lstStyle>
+          <a:p>
+            <a:r>
+              <a:rPr lang="en-US" sz="1000" dirty="0"/>
+              <a:t>Spare</a:t>
+            </a:r>
+          </a:p>
+        </p:txBody>
+      </p:sp>
+      <p:cxnSp>
+        <p:nvCxnSpPr>
+          <p:cNvPr id="19" name="Straight Arrow Connector 18">
+            <a:extLst>
+              <a:ext uri="{FF2B5EF4-FFF2-40B4-BE49-F238E27FC236}">
+                <a16:creationId xmlns:a16="http://schemas.microsoft.com/office/drawing/2014/main" id="{8A25C6EE-0058-42BA-9E69-7914EBBF0E92}"/>
+              </a:ext>
+            </a:extLst>
+          </p:cNvPr>
+          <p:cNvCxnSpPr>
+            <a:cxnSpLocks/>
+          </p:cNvCxnSpPr>
+          <p:nvPr/>
+        </p:nvCxnSpPr>
+        <p:spPr>
+          <a:xfrm flipH="1">
+            <a:off x="4658868" y="4274942"/>
+            <a:ext cx="457195" cy="1197819"/>
+          </a:xfrm>
+          <a:prstGeom prst="straightConnector1">
+            <a:avLst/>
+          </a:prstGeom>
+          <a:ln>
+            <a:headEnd type="triangle" w="med" len="med"/>
+            <a:tailEnd type="none" w="med" len="med"/>
+          </a:ln>
+        </p:spPr>
+        <p:style>
+          <a:lnRef idx="1">
+            <a:schemeClr val="dk1"/>
+          </a:lnRef>
+          <a:fillRef idx="0">
+            <a:schemeClr val="dk1"/>
+          </a:fillRef>
+          <a:effectRef idx="0">
+            <a:schemeClr val="dk1"/>
+          </a:effectRef>
+          <a:fontRef idx="minor">
+            <a:schemeClr val="tx1"/>
+          </a:fontRef>
+        </p:style>
+      </p:cxnSp>
+      <p:sp>
+        <p:nvSpPr>
+          <p:cNvPr id="20" name="TextBox 36">
+            <a:extLst>
+              <a:ext uri="{FF2B5EF4-FFF2-40B4-BE49-F238E27FC236}">
+                <a16:creationId xmlns:a16="http://schemas.microsoft.com/office/drawing/2014/main" id="{8C069270-88D2-41FD-8C71-34EB177DBFFF}"/>
+              </a:ext>
+            </a:extLst>
+          </p:cNvPr>
+          <p:cNvSpPr txBox="1"/>
+          <p:nvPr/>
+        </p:nvSpPr>
+        <p:spPr>
+          <a:xfrm>
+            <a:off x="3847552" y="5472761"/>
+            <a:ext cx="1439753" cy="276999"/>
+          </a:xfrm>
+          <a:prstGeom prst="rect">
+            <a:avLst/>
+          </a:prstGeom>
+          <a:noFill/>
+        </p:spPr>
+        <p:txBody>
+          <a:bodyPr wrap="none" rtlCol="0">
+            <a:spAutoFit/>
+          </a:bodyPr>
+          <a:lstStyle>
+            <a:defPPr>
+              <a:defRPr lang="en-US"/>
+            </a:defPPr>
+            <a:lvl1pPr marL="0" algn="l" defTabSz="457200" rtl="0" eaLnBrk="1" latinLnBrk="0" hangingPunct="1">
+              <a:defRPr sz="1800" kern="1200">
+                <a:solidFill>
+                  <a:schemeClr val="tx1"/>
+                </a:solidFill>
+                <a:latin typeface="+mn-lt"/>
+                <a:ea typeface="+mn-ea"/>
+                <a:cs typeface="+mn-cs"/>
+              </a:defRPr>
+            </a:lvl1pPr>
+            <a:lvl2pPr marL="457200" algn="l" defTabSz="457200" rtl="0" eaLnBrk="1" latinLnBrk="0" hangingPunct="1">
+              <a:defRPr sz="1800" kern="1200">
+                <a:solidFill>
+                  <a:schemeClr val="tx1"/>
+                </a:solidFill>
+                <a:latin typeface="+mn-lt"/>
+                <a:ea typeface="+mn-ea"/>
+                <a:cs typeface="+mn-cs"/>
+              </a:defRPr>
+            </a:lvl2pPr>
+            <a:lvl3pPr marL="914400" algn="l" defTabSz="457200" rtl="0" eaLnBrk="1" latinLnBrk="0" hangingPunct="1">
+              <a:defRPr sz="1800" kern="1200">
+                <a:solidFill>
+                  <a:schemeClr val="tx1"/>
+                </a:solidFill>
+                <a:latin typeface="+mn-lt"/>
+                <a:ea typeface="+mn-ea"/>
+                <a:cs typeface="+mn-cs"/>
+              </a:defRPr>
+            </a:lvl3pPr>
+            <a:lvl4pPr marL="1371600" algn="l" defTabSz="457200" rtl="0" eaLnBrk="1" latinLnBrk="0" hangingPunct="1">
+              <a:defRPr sz="1800" kern="1200">
+                <a:solidFill>
+                  <a:schemeClr val="tx1"/>
+                </a:solidFill>
+                <a:latin typeface="+mn-lt"/>
+                <a:ea typeface="+mn-ea"/>
+                <a:cs typeface="+mn-cs"/>
+              </a:defRPr>
+            </a:lvl4pPr>
+            <a:lvl5pPr marL="1828800" algn="l" defTabSz="457200" rtl="0" eaLnBrk="1" latinLnBrk="0" hangingPunct="1">
+              <a:defRPr sz="1800" kern="1200">
+                <a:solidFill>
+                  <a:schemeClr val="tx1"/>
+                </a:solidFill>
+                <a:latin typeface="+mn-lt"/>
+                <a:ea typeface="+mn-ea"/>
+                <a:cs typeface="+mn-cs"/>
+              </a:defRPr>
+            </a:lvl5pPr>
+            <a:lvl6pPr marL="2286000" algn="l" defTabSz="457200" rtl="0" eaLnBrk="1" latinLnBrk="0" hangingPunct="1">
+              <a:defRPr sz="1800" kern="1200">
+                <a:solidFill>
+                  <a:schemeClr val="tx1"/>
+                </a:solidFill>
+                <a:latin typeface="+mn-lt"/>
+                <a:ea typeface="+mn-ea"/>
+                <a:cs typeface="+mn-cs"/>
+              </a:defRPr>
+            </a:lvl6pPr>
+            <a:lvl7pPr marL="2743200" algn="l" defTabSz="457200" rtl="0" eaLnBrk="1" latinLnBrk="0" hangingPunct="1">
+              <a:defRPr sz="1800" kern="1200">
+                <a:solidFill>
+                  <a:schemeClr val="tx1"/>
+                </a:solidFill>
+                <a:latin typeface="+mn-lt"/>
+                <a:ea typeface="+mn-ea"/>
+                <a:cs typeface="+mn-cs"/>
+              </a:defRPr>
+            </a:lvl7pPr>
+            <a:lvl8pPr marL="3200400" algn="l" defTabSz="457200" rtl="0" eaLnBrk="1" latinLnBrk="0" hangingPunct="1">
+              <a:defRPr sz="1800" kern="1200">
+                <a:solidFill>
+                  <a:schemeClr val="tx1"/>
+                </a:solidFill>
+                <a:latin typeface="+mn-lt"/>
+                <a:ea typeface="+mn-ea"/>
+                <a:cs typeface="+mn-cs"/>
+              </a:defRPr>
+            </a:lvl8pPr>
+            <a:lvl9pPr marL="3657600" algn="l" defTabSz="457200" rtl="0" eaLnBrk="1" latinLnBrk="0" hangingPunct="1">
+              <a:defRPr sz="1800" kern="1200">
+                <a:solidFill>
+                  <a:schemeClr val="tx1"/>
+                </a:solidFill>
+                <a:latin typeface="+mn-lt"/>
+                <a:ea typeface="+mn-ea"/>
+                <a:cs typeface="+mn-cs"/>
+              </a:defRPr>
+            </a:lvl9pPr>
+          </a:lstStyle>
           <a:p>
             <a:r>
               <a:rPr lang="en-US" sz="1200" dirty="0"/>
-              <a:t>Red-Pitaya SDR QRP Transceiver</a:t>
+              <a:t>N2ADR HL2 LP Filter</a:t>
+            </a:r>
+          </a:p>
+        </p:txBody>
+      </p:sp>
+      <p:cxnSp>
+        <p:nvCxnSpPr>
+          <p:cNvPr id="21" name="Straight Arrow Connector 20">
+            <a:extLst>
+              <a:ext uri="{FF2B5EF4-FFF2-40B4-BE49-F238E27FC236}">
+                <a16:creationId xmlns:a16="http://schemas.microsoft.com/office/drawing/2014/main" id="{62F5D50E-3BD5-48EB-A818-0EB26E859D9F}"/>
+              </a:ext>
+            </a:extLst>
+          </p:cNvPr>
+          <p:cNvCxnSpPr>
+            <a:cxnSpLocks/>
+            <a:endCxn id="22" idx="0"/>
+          </p:cNvCxnSpPr>
+          <p:nvPr/>
+        </p:nvCxnSpPr>
+        <p:spPr>
+          <a:xfrm>
+            <a:off x="5712378" y="3966621"/>
+            <a:ext cx="208883" cy="1503161"/>
+          </a:xfrm>
+          <a:prstGeom prst="straightConnector1">
+            <a:avLst/>
+          </a:prstGeom>
+          <a:ln>
+            <a:headEnd type="triangle" w="med" len="med"/>
+            <a:tailEnd type="none" w="med" len="med"/>
+          </a:ln>
+        </p:spPr>
+        <p:style>
+          <a:lnRef idx="1">
+            <a:schemeClr val="dk1"/>
+          </a:lnRef>
+          <a:fillRef idx="0">
+            <a:schemeClr val="dk1"/>
+          </a:fillRef>
+          <a:effectRef idx="0">
+            <a:schemeClr val="dk1"/>
+          </a:effectRef>
+          <a:fontRef idx="minor">
+            <a:schemeClr val="tx1"/>
+          </a:fontRef>
+        </p:style>
+      </p:cxnSp>
+      <p:sp>
+        <p:nvSpPr>
+          <p:cNvPr id="22" name="TextBox 40">
+            <a:extLst>
+              <a:ext uri="{FF2B5EF4-FFF2-40B4-BE49-F238E27FC236}">
+                <a16:creationId xmlns:a16="http://schemas.microsoft.com/office/drawing/2014/main" id="{FAA3226B-AF57-4723-8786-7ED20B713AA3}"/>
+              </a:ext>
+            </a:extLst>
+          </p:cNvPr>
+          <p:cNvSpPr txBox="1"/>
+          <p:nvPr/>
+        </p:nvSpPr>
+        <p:spPr>
+          <a:xfrm>
+            <a:off x="5287305" y="5469782"/>
+            <a:ext cx="1267911" cy="276999"/>
+          </a:xfrm>
+          <a:prstGeom prst="rect">
+            <a:avLst/>
+          </a:prstGeom>
+          <a:noFill/>
+        </p:spPr>
+        <p:txBody>
+          <a:bodyPr wrap="none" rtlCol="0">
+            <a:spAutoFit/>
+          </a:bodyPr>
+          <a:lstStyle>
+            <a:defPPr>
+              <a:defRPr lang="en-US"/>
+            </a:defPPr>
+            <a:lvl1pPr marL="0" algn="l" defTabSz="457200" rtl="0" eaLnBrk="1" latinLnBrk="0" hangingPunct="1">
+              <a:defRPr sz="1800" kern="1200">
+                <a:solidFill>
+                  <a:schemeClr val="tx1"/>
+                </a:solidFill>
+                <a:latin typeface="+mn-lt"/>
+                <a:ea typeface="+mn-ea"/>
+                <a:cs typeface="+mn-cs"/>
+              </a:defRPr>
+            </a:lvl1pPr>
+            <a:lvl2pPr marL="457200" algn="l" defTabSz="457200" rtl="0" eaLnBrk="1" latinLnBrk="0" hangingPunct="1">
+              <a:defRPr sz="1800" kern="1200">
+                <a:solidFill>
+                  <a:schemeClr val="tx1"/>
+                </a:solidFill>
+                <a:latin typeface="+mn-lt"/>
+                <a:ea typeface="+mn-ea"/>
+                <a:cs typeface="+mn-cs"/>
+              </a:defRPr>
+            </a:lvl2pPr>
+            <a:lvl3pPr marL="914400" algn="l" defTabSz="457200" rtl="0" eaLnBrk="1" latinLnBrk="0" hangingPunct="1">
+              <a:defRPr sz="1800" kern="1200">
+                <a:solidFill>
+                  <a:schemeClr val="tx1"/>
+                </a:solidFill>
+                <a:latin typeface="+mn-lt"/>
+                <a:ea typeface="+mn-ea"/>
+                <a:cs typeface="+mn-cs"/>
+              </a:defRPr>
+            </a:lvl3pPr>
+            <a:lvl4pPr marL="1371600" algn="l" defTabSz="457200" rtl="0" eaLnBrk="1" latinLnBrk="0" hangingPunct="1">
+              <a:defRPr sz="1800" kern="1200">
+                <a:solidFill>
+                  <a:schemeClr val="tx1"/>
+                </a:solidFill>
+                <a:latin typeface="+mn-lt"/>
+                <a:ea typeface="+mn-ea"/>
+                <a:cs typeface="+mn-cs"/>
+              </a:defRPr>
+            </a:lvl4pPr>
+            <a:lvl5pPr marL="1828800" algn="l" defTabSz="457200" rtl="0" eaLnBrk="1" latinLnBrk="0" hangingPunct="1">
+              <a:defRPr sz="1800" kern="1200">
+                <a:solidFill>
+                  <a:schemeClr val="tx1"/>
+                </a:solidFill>
+                <a:latin typeface="+mn-lt"/>
+                <a:ea typeface="+mn-ea"/>
+                <a:cs typeface="+mn-cs"/>
+              </a:defRPr>
+            </a:lvl5pPr>
+            <a:lvl6pPr marL="2286000" algn="l" defTabSz="457200" rtl="0" eaLnBrk="1" latinLnBrk="0" hangingPunct="1">
+              <a:defRPr sz="1800" kern="1200">
+                <a:solidFill>
+                  <a:schemeClr val="tx1"/>
+                </a:solidFill>
+                <a:latin typeface="+mn-lt"/>
+                <a:ea typeface="+mn-ea"/>
+                <a:cs typeface="+mn-cs"/>
+              </a:defRPr>
+            </a:lvl6pPr>
+            <a:lvl7pPr marL="2743200" algn="l" defTabSz="457200" rtl="0" eaLnBrk="1" latinLnBrk="0" hangingPunct="1">
+              <a:defRPr sz="1800" kern="1200">
+                <a:solidFill>
+                  <a:schemeClr val="tx1"/>
+                </a:solidFill>
+                <a:latin typeface="+mn-lt"/>
+                <a:ea typeface="+mn-ea"/>
+                <a:cs typeface="+mn-cs"/>
+              </a:defRPr>
+            </a:lvl7pPr>
+            <a:lvl8pPr marL="3200400" algn="l" defTabSz="457200" rtl="0" eaLnBrk="1" latinLnBrk="0" hangingPunct="1">
+              <a:defRPr sz="1800" kern="1200">
+                <a:solidFill>
+                  <a:schemeClr val="tx1"/>
+                </a:solidFill>
+                <a:latin typeface="+mn-lt"/>
+                <a:ea typeface="+mn-ea"/>
+                <a:cs typeface="+mn-cs"/>
+              </a:defRPr>
+            </a:lvl8pPr>
+            <a:lvl9pPr marL="3657600" algn="l" defTabSz="457200" rtl="0" eaLnBrk="1" latinLnBrk="0" hangingPunct="1">
+              <a:defRPr sz="1800" kern="1200">
+                <a:solidFill>
+                  <a:schemeClr val="tx1"/>
+                </a:solidFill>
+                <a:latin typeface="+mn-lt"/>
+                <a:ea typeface="+mn-ea"/>
+                <a:cs typeface="+mn-cs"/>
+              </a:defRPr>
+            </a:lvl9pPr>
+          </a:lstStyle>
+          <a:p>
+            <a:r>
+              <a:rPr lang="en-US" sz="1200" dirty="0"/>
+              <a:t>Alex SPI Interface</a:t>
+            </a:r>
+          </a:p>
+        </p:txBody>
+      </p:sp>
+      <p:cxnSp>
+        <p:nvCxnSpPr>
+          <p:cNvPr id="23" name="Straight Arrow Connector 22">
+            <a:extLst>
+              <a:ext uri="{FF2B5EF4-FFF2-40B4-BE49-F238E27FC236}">
+                <a16:creationId xmlns:a16="http://schemas.microsoft.com/office/drawing/2014/main" id="{E7474445-A8E5-4286-BCC0-586A10F272DD}"/>
+              </a:ext>
+            </a:extLst>
+          </p:cNvPr>
+          <p:cNvCxnSpPr>
+            <a:cxnSpLocks/>
+          </p:cNvCxnSpPr>
+          <p:nvPr/>
+        </p:nvCxnSpPr>
+        <p:spPr>
+          <a:xfrm>
+            <a:off x="6792757" y="3938546"/>
+            <a:ext cx="208883" cy="1503161"/>
+          </a:xfrm>
+          <a:prstGeom prst="straightConnector1">
+            <a:avLst/>
+          </a:prstGeom>
+          <a:ln>
+            <a:headEnd type="triangle" w="med" len="med"/>
+            <a:tailEnd type="none" w="med" len="med"/>
+          </a:ln>
+        </p:spPr>
+        <p:style>
+          <a:lnRef idx="1">
+            <a:schemeClr val="dk1"/>
+          </a:lnRef>
+          <a:fillRef idx="0">
+            <a:schemeClr val="dk1"/>
+          </a:fillRef>
+          <a:effectRef idx="0">
+            <a:schemeClr val="dk1"/>
+          </a:effectRef>
+          <a:fontRef idx="minor">
+            <a:schemeClr val="tx1"/>
+          </a:fontRef>
+        </p:style>
+      </p:cxnSp>
+      <p:sp>
+        <p:nvSpPr>
+          <p:cNvPr id="24" name="TextBox 43">
+            <a:extLst>
+              <a:ext uri="{FF2B5EF4-FFF2-40B4-BE49-F238E27FC236}">
+                <a16:creationId xmlns:a16="http://schemas.microsoft.com/office/drawing/2014/main" id="{EAFBF72B-924C-49F8-AB62-53AF29822FB8}"/>
+              </a:ext>
+            </a:extLst>
+          </p:cNvPr>
+          <p:cNvSpPr txBox="1"/>
+          <p:nvPr/>
+        </p:nvSpPr>
+        <p:spPr>
+          <a:xfrm>
+            <a:off x="6581461" y="5469782"/>
+            <a:ext cx="840358" cy="461665"/>
+          </a:xfrm>
+          <a:prstGeom prst="rect">
+            <a:avLst/>
+          </a:prstGeom>
+          <a:noFill/>
+        </p:spPr>
+        <p:txBody>
+          <a:bodyPr wrap="none" rtlCol="0">
+            <a:spAutoFit/>
+          </a:bodyPr>
+          <a:lstStyle>
+            <a:defPPr>
+              <a:defRPr lang="en-US"/>
+            </a:defPPr>
+            <a:lvl1pPr marL="0" algn="l" defTabSz="457200" rtl="0" eaLnBrk="1" latinLnBrk="0" hangingPunct="1">
+              <a:defRPr sz="1800" kern="1200">
+                <a:solidFill>
+                  <a:schemeClr val="tx1"/>
+                </a:solidFill>
+                <a:latin typeface="+mn-lt"/>
+                <a:ea typeface="+mn-ea"/>
+                <a:cs typeface="+mn-cs"/>
+              </a:defRPr>
+            </a:lvl1pPr>
+            <a:lvl2pPr marL="457200" algn="l" defTabSz="457200" rtl="0" eaLnBrk="1" latinLnBrk="0" hangingPunct="1">
+              <a:defRPr sz="1800" kern="1200">
+                <a:solidFill>
+                  <a:schemeClr val="tx1"/>
+                </a:solidFill>
+                <a:latin typeface="+mn-lt"/>
+                <a:ea typeface="+mn-ea"/>
+                <a:cs typeface="+mn-cs"/>
+              </a:defRPr>
+            </a:lvl2pPr>
+            <a:lvl3pPr marL="914400" algn="l" defTabSz="457200" rtl="0" eaLnBrk="1" latinLnBrk="0" hangingPunct="1">
+              <a:defRPr sz="1800" kern="1200">
+                <a:solidFill>
+                  <a:schemeClr val="tx1"/>
+                </a:solidFill>
+                <a:latin typeface="+mn-lt"/>
+                <a:ea typeface="+mn-ea"/>
+                <a:cs typeface="+mn-cs"/>
+              </a:defRPr>
+            </a:lvl3pPr>
+            <a:lvl4pPr marL="1371600" algn="l" defTabSz="457200" rtl="0" eaLnBrk="1" latinLnBrk="0" hangingPunct="1">
+              <a:defRPr sz="1800" kern="1200">
+                <a:solidFill>
+                  <a:schemeClr val="tx1"/>
+                </a:solidFill>
+                <a:latin typeface="+mn-lt"/>
+                <a:ea typeface="+mn-ea"/>
+                <a:cs typeface="+mn-cs"/>
+              </a:defRPr>
+            </a:lvl4pPr>
+            <a:lvl5pPr marL="1828800" algn="l" defTabSz="457200" rtl="0" eaLnBrk="1" latinLnBrk="0" hangingPunct="1">
+              <a:defRPr sz="1800" kern="1200">
+                <a:solidFill>
+                  <a:schemeClr val="tx1"/>
+                </a:solidFill>
+                <a:latin typeface="+mn-lt"/>
+                <a:ea typeface="+mn-ea"/>
+                <a:cs typeface="+mn-cs"/>
+              </a:defRPr>
+            </a:lvl5pPr>
+            <a:lvl6pPr marL="2286000" algn="l" defTabSz="457200" rtl="0" eaLnBrk="1" latinLnBrk="0" hangingPunct="1">
+              <a:defRPr sz="1800" kern="1200">
+                <a:solidFill>
+                  <a:schemeClr val="tx1"/>
+                </a:solidFill>
+                <a:latin typeface="+mn-lt"/>
+                <a:ea typeface="+mn-ea"/>
+                <a:cs typeface="+mn-cs"/>
+              </a:defRPr>
+            </a:lvl6pPr>
+            <a:lvl7pPr marL="2743200" algn="l" defTabSz="457200" rtl="0" eaLnBrk="1" latinLnBrk="0" hangingPunct="1">
+              <a:defRPr sz="1800" kern="1200">
+                <a:solidFill>
+                  <a:schemeClr val="tx1"/>
+                </a:solidFill>
+                <a:latin typeface="+mn-lt"/>
+                <a:ea typeface="+mn-ea"/>
+                <a:cs typeface="+mn-cs"/>
+              </a:defRPr>
+            </a:lvl7pPr>
+            <a:lvl8pPr marL="3200400" algn="l" defTabSz="457200" rtl="0" eaLnBrk="1" latinLnBrk="0" hangingPunct="1">
+              <a:defRPr sz="1800" kern="1200">
+                <a:solidFill>
+                  <a:schemeClr val="tx1"/>
+                </a:solidFill>
+                <a:latin typeface="+mn-lt"/>
+                <a:ea typeface="+mn-ea"/>
+                <a:cs typeface="+mn-cs"/>
+              </a:defRPr>
+            </a:lvl8pPr>
+            <a:lvl9pPr marL="3657600" algn="l" defTabSz="457200" rtl="0" eaLnBrk="1" latinLnBrk="0" hangingPunct="1">
+              <a:defRPr sz="1800" kern="1200">
+                <a:solidFill>
+                  <a:schemeClr val="tx1"/>
+                </a:solidFill>
+                <a:latin typeface="+mn-lt"/>
+                <a:ea typeface="+mn-ea"/>
+                <a:cs typeface="+mn-cs"/>
+              </a:defRPr>
+            </a:lvl9pPr>
+          </a:lstStyle>
+          <a:p>
+            <a:pPr algn="ctr"/>
+            <a:r>
+              <a:rPr lang="en-US" sz="1200" dirty="0"/>
+              <a:t>PA Driver</a:t>
+            </a:r>
+          </a:p>
+          <a:p>
+            <a:pPr algn="ctr"/>
+            <a:r>
+              <a:rPr lang="en-US" sz="1200" dirty="0"/>
+              <a:t>T/R Switch</a:t>
+            </a:r>
+          </a:p>
+        </p:txBody>
+      </p:sp>
+      <p:cxnSp>
+        <p:nvCxnSpPr>
+          <p:cNvPr id="25" name="Straight Arrow Connector 24">
+            <a:extLst>
+              <a:ext uri="{FF2B5EF4-FFF2-40B4-BE49-F238E27FC236}">
+                <a16:creationId xmlns:a16="http://schemas.microsoft.com/office/drawing/2014/main" id="{72833372-FC79-4C3E-A265-5805B48E72F4}"/>
+              </a:ext>
+            </a:extLst>
+          </p:cNvPr>
+          <p:cNvCxnSpPr>
+            <a:cxnSpLocks/>
+          </p:cNvCxnSpPr>
+          <p:nvPr/>
+        </p:nvCxnSpPr>
+        <p:spPr>
+          <a:xfrm>
+            <a:off x="7817040" y="3802217"/>
+            <a:ext cx="221516" cy="1667565"/>
+          </a:xfrm>
+          <a:prstGeom prst="straightConnector1">
+            <a:avLst/>
+          </a:prstGeom>
+          <a:ln>
+            <a:headEnd type="triangle" w="med" len="med"/>
+            <a:tailEnd type="none" w="med" len="med"/>
+          </a:ln>
+        </p:spPr>
+        <p:style>
+          <a:lnRef idx="1">
+            <a:schemeClr val="dk1"/>
+          </a:lnRef>
+          <a:fillRef idx="0">
+            <a:schemeClr val="dk1"/>
+          </a:fillRef>
+          <a:effectRef idx="0">
+            <a:schemeClr val="dk1"/>
+          </a:effectRef>
+          <a:fontRef idx="minor">
+            <a:schemeClr val="tx1"/>
+          </a:fontRef>
+        </p:style>
+      </p:cxnSp>
+      <p:sp>
+        <p:nvSpPr>
+          <p:cNvPr id="26" name="TextBox 46">
+            <a:extLst>
+              <a:ext uri="{FF2B5EF4-FFF2-40B4-BE49-F238E27FC236}">
+                <a16:creationId xmlns:a16="http://schemas.microsoft.com/office/drawing/2014/main" id="{D0D179F0-B755-4A37-95CD-79F54F97D97A}"/>
+              </a:ext>
+            </a:extLst>
+          </p:cNvPr>
+          <p:cNvSpPr txBox="1"/>
+          <p:nvPr/>
+        </p:nvSpPr>
+        <p:spPr>
+          <a:xfrm>
+            <a:off x="7793093" y="5469781"/>
+            <a:ext cx="545214" cy="276999"/>
+          </a:xfrm>
+          <a:prstGeom prst="rect">
+            <a:avLst/>
+          </a:prstGeom>
+          <a:noFill/>
+        </p:spPr>
+        <p:txBody>
+          <a:bodyPr wrap="none" rtlCol="0">
+            <a:spAutoFit/>
+          </a:bodyPr>
+          <a:lstStyle>
+            <a:defPPr>
+              <a:defRPr lang="en-US"/>
+            </a:defPPr>
+            <a:lvl1pPr marL="0" algn="l" defTabSz="457200" rtl="0" eaLnBrk="1" latinLnBrk="0" hangingPunct="1">
+              <a:defRPr sz="1800" kern="1200">
+                <a:solidFill>
+                  <a:schemeClr val="tx1"/>
+                </a:solidFill>
+                <a:latin typeface="+mn-lt"/>
+                <a:ea typeface="+mn-ea"/>
+                <a:cs typeface="+mn-cs"/>
+              </a:defRPr>
+            </a:lvl1pPr>
+            <a:lvl2pPr marL="457200" algn="l" defTabSz="457200" rtl="0" eaLnBrk="1" latinLnBrk="0" hangingPunct="1">
+              <a:defRPr sz="1800" kern="1200">
+                <a:solidFill>
+                  <a:schemeClr val="tx1"/>
+                </a:solidFill>
+                <a:latin typeface="+mn-lt"/>
+                <a:ea typeface="+mn-ea"/>
+                <a:cs typeface="+mn-cs"/>
+              </a:defRPr>
+            </a:lvl2pPr>
+            <a:lvl3pPr marL="914400" algn="l" defTabSz="457200" rtl="0" eaLnBrk="1" latinLnBrk="0" hangingPunct="1">
+              <a:defRPr sz="1800" kern="1200">
+                <a:solidFill>
+                  <a:schemeClr val="tx1"/>
+                </a:solidFill>
+                <a:latin typeface="+mn-lt"/>
+                <a:ea typeface="+mn-ea"/>
+                <a:cs typeface="+mn-cs"/>
+              </a:defRPr>
+            </a:lvl3pPr>
+            <a:lvl4pPr marL="1371600" algn="l" defTabSz="457200" rtl="0" eaLnBrk="1" latinLnBrk="0" hangingPunct="1">
+              <a:defRPr sz="1800" kern="1200">
+                <a:solidFill>
+                  <a:schemeClr val="tx1"/>
+                </a:solidFill>
+                <a:latin typeface="+mn-lt"/>
+                <a:ea typeface="+mn-ea"/>
+                <a:cs typeface="+mn-cs"/>
+              </a:defRPr>
+            </a:lvl4pPr>
+            <a:lvl5pPr marL="1828800" algn="l" defTabSz="457200" rtl="0" eaLnBrk="1" latinLnBrk="0" hangingPunct="1">
+              <a:defRPr sz="1800" kern="1200">
+                <a:solidFill>
+                  <a:schemeClr val="tx1"/>
+                </a:solidFill>
+                <a:latin typeface="+mn-lt"/>
+                <a:ea typeface="+mn-ea"/>
+                <a:cs typeface="+mn-cs"/>
+              </a:defRPr>
+            </a:lvl5pPr>
+            <a:lvl6pPr marL="2286000" algn="l" defTabSz="457200" rtl="0" eaLnBrk="1" latinLnBrk="0" hangingPunct="1">
+              <a:defRPr sz="1800" kern="1200">
+                <a:solidFill>
+                  <a:schemeClr val="tx1"/>
+                </a:solidFill>
+                <a:latin typeface="+mn-lt"/>
+                <a:ea typeface="+mn-ea"/>
+                <a:cs typeface="+mn-cs"/>
+              </a:defRPr>
+            </a:lvl6pPr>
+            <a:lvl7pPr marL="2743200" algn="l" defTabSz="457200" rtl="0" eaLnBrk="1" latinLnBrk="0" hangingPunct="1">
+              <a:defRPr sz="1800" kern="1200">
+                <a:solidFill>
+                  <a:schemeClr val="tx1"/>
+                </a:solidFill>
+                <a:latin typeface="+mn-lt"/>
+                <a:ea typeface="+mn-ea"/>
+                <a:cs typeface="+mn-cs"/>
+              </a:defRPr>
+            </a:lvl7pPr>
+            <a:lvl8pPr marL="3200400" algn="l" defTabSz="457200" rtl="0" eaLnBrk="1" latinLnBrk="0" hangingPunct="1">
+              <a:defRPr sz="1800" kern="1200">
+                <a:solidFill>
+                  <a:schemeClr val="tx1"/>
+                </a:solidFill>
+                <a:latin typeface="+mn-lt"/>
+                <a:ea typeface="+mn-ea"/>
+                <a:cs typeface="+mn-cs"/>
+              </a:defRPr>
+            </a:lvl8pPr>
+            <a:lvl9pPr marL="3657600" algn="l" defTabSz="457200" rtl="0" eaLnBrk="1" latinLnBrk="0" hangingPunct="1">
+              <a:defRPr sz="1800" kern="1200">
+                <a:solidFill>
+                  <a:schemeClr val="tx1"/>
+                </a:solidFill>
+                <a:latin typeface="+mn-lt"/>
+                <a:ea typeface="+mn-ea"/>
+                <a:cs typeface="+mn-cs"/>
+              </a:defRPr>
+            </a:lvl9pPr>
+          </a:lstStyle>
+          <a:p>
+            <a:r>
+              <a:rPr lang="en-US" sz="1200" dirty="0"/>
+              <a:t>HF PA</a:t>
+            </a:r>
+          </a:p>
+        </p:txBody>
+      </p:sp>
+      <p:cxnSp>
+        <p:nvCxnSpPr>
+          <p:cNvPr id="27" name="Straight Arrow Connector 26">
+            <a:extLst>
+              <a:ext uri="{FF2B5EF4-FFF2-40B4-BE49-F238E27FC236}">
+                <a16:creationId xmlns:a16="http://schemas.microsoft.com/office/drawing/2014/main" id="{1A7F56C7-885A-45D3-A0AC-BBDF2760781B}"/>
+              </a:ext>
+            </a:extLst>
+          </p:cNvPr>
+          <p:cNvCxnSpPr>
+            <a:cxnSpLocks/>
+          </p:cNvCxnSpPr>
+          <p:nvPr/>
+        </p:nvCxnSpPr>
+        <p:spPr>
+          <a:xfrm flipH="1" flipV="1">
+            <a:off x="6555216" y="1441993"/>
+            <a:ext cx="446424" cy="1369926"/>
+          </a:xfrm>
+          <a:prstGeom prst="straightConnector1">
+            <a:avLst/>
+          </a:prstGeom>
+          <a:ln>
+            <a:headEnd type="triangle" w="med" len="med"/>
+            <a:tailEnd type="none" w="med" len="med"/>
+          </a:ln>
+        </p:spPr>
+        <p:style>
+          <a:lnRef idx="1">
+            <a:schemeClr val="dk1"/>
+          </a:lnRef>
+          <a:fillRef idx="0">
+            <a:schemeClr val="dk1"/>
+          </a:fillRef>
+          <a:effectRef idx="0">
+            <a:schemeClr val="dk1"/>
+          </a:effectRef>
+          <a:fontRef idx="minor">
+            <a:schemeClr val="tx1"/>
+          </a:fontRef>
+        </p:style>
+      </p:cxnSp>
+      <p:sp>
+        <p:nvSpPr>
+          <p:cNvPr id="28" name="TextBox 50">
+            <a:extLst>
+              <a:ext uri="{FF2B5EF4-FFF2-40B4-BE49-F238E27FC236}">
+                <a16:creationId xmlns:a16="http://schemas.microsoft.com/office/drawing/2014/main" id="{5FF1292D-93C8-4BE2-BB28-642D13E8F819}"/>
+              </a:ext>
+            </a:extLst>
+          </p:cNvPr>
+          <p:cNvSpPr txBox="1"/>
+          <p:nvPr/>
+        </p:nvSpPr>
+        <p:spPr>
+          <a:xfrm>
+            <a:off x="5872620" y="1172014"/>
+            <a:ext cx="1199239" cy="276999"/>
+          </a:xfrm>
+          <a:prstGeom prst="rect">
+            <a:avLst/>
+          </a:prstGeom>
+          <a:noFill/>
+        </p:spPr>
+        <p:txBody>
+          <a:bodyPr wrap="none" rtlCol="0">
+            <a:spAutoFit/>
+          </a:bodyPr>
+          <a:lstStyle>
+            <a:defPPr>
+              <a:defRPr lang="en-US"/>
+            </a:defPPr>
+            <a:lvl1pPr marL="0" algn="l" defTabSz="457200" rtl="0" eaLnBrk="1" latinLnBrk="0" hangingPunct="1">
+              <a:defRPr sz="1800" kern="1200">
+                <a:solidFill>
+                  <a:schemeClr val="tx1"/>
+                </a:solidFill>
+                <a:latin typeface="+mn-lt"/>
+                <a:ea typeface="+mn-ea"/>
+                <a:cs typeface="+mn-cs"/>
+              </a:defRPr>
+            </a:lvl1pPr>
+            <a:lvl2pPr marL="457200" algn="l" defTabSz="457200" rtl="0" eaLnBrk="1" latinLnBrk="0" hangingPunct="1">
+              <a:defRPr sz="1800" kern="1200">
+                <a:solidFill>
+                  <a:schemeClr val="tx1"/>
+                </a:solidFill>
+                <a:latin typeface="+mn-lt"/>
+                <a:ea typeface="+mn-ea"/>
+                <a:cs typeface="+mn-cs"/>
+              </a:defRPr>
+            </a:lvl2pPr>
+            <a:lvl3pPr marL="914400" algn="l" defTabSz="457200" rtl="0" eaLnBrk="1" latinLnBrk="0" hangingPunct="1">
+              <a:defRPr sz="1800" kern="1200">
+                <a:solidFill>
+                  <a:schemeClr val="tx1"/>
+                </a:solidFill>
+                <a:latin typeface="+mn-lt"/>
+                <a:ea typeface="+mn-ea"/>
+                <a:cs typeface="+mn-cs"/>
+              </a:defRPr>
+            </a:lvl3pPr>
+            <a:lvl4pPr marL="1371600" algn="l" defTabSz="457200" rtl="0" eaLnBrk="1" latinLnBrk="0" hangingPunct="1">
+              <a:defRPr sz="1800" kern="1200">
+                <a:solidFill>
+                  <a:schemeClr val="tx1"/>
+                </a:solidFill>
+                <a:latin typeface="+mn-lt"/>
+                <a:ea typeface="+mn-ea"/>
+                <a:cs typeface="+mn-cs"/>
+              </a:defRPr>
+            </a:lvl4pPr>
+            <a:lvl5pPr marL="1828800" algn="l" defTabSz="457200" rtl="0" eaLnBrk="1" latinLnBrk="0" hangingPunct="1">
+              <a:defRPr sz="1800" kern="1200">
+                <a:solidFill>
+                  <a:schemeClr val="tx1"/>
+                </a:solidFill>
+                <a:latin typeface="+mn-lt"/>
+                <a:ea typeface="+mn-ea"/>
+                <a:cs typeface="+mn-cs"/>
+              </a:defRPr>
+            </a:lvl5pPr>
+            <a:lvl6pPr marL="2286000" algn="l" defTabSz="457200" rtl="0" eaLnBrk="1" latinLnBrk="0" hangingPunct="1">
+              <a:defRPr sz="1800" kern="1200">
+                <a:solidFill>
+                  <a:schemeClr val="tx1"/>
+                </a:solidFill>
+                <a:latin typeface="+mn-lt"/>
+                <a:ea typeface="+mn-ea"/>
+                <a:cs typeface="+mn-cs"/>
+              </a:defRPr>
+            </a:lvl6pPr>
+            <a:lvl7pPr marL="2743200" algn="l" defTabSz="457200" rtl="0" eaLnBrk="1" latinLnBrk="0" hangingPunct="1">
+              <a:defRPr sz="1800" kern="1200">
+                <a:solidFill>
+                  <a:schemeClr val="tx1"/>
+                </a:solidFill>
+                <a:latin typeface="+mn-lt"/>
+                <a:ea typeface="+mn-ea"/>
+                <a:cs typeface="+mn-cs"/>
+              </a:defRPr>
+            </a:lvl7pPr>
+            <a:lvl8pPr marL="3200400" algn="l" defTabSz="457200" rtl="0" eaLnBrk="1" latinLnBrk="0" hangingPunct="1">
+              <a:defRPr sz="1800" kern="1200">
+                <a:solidFill>
+                  <a:schemeClr val="tx1"/>
+                </a:solidFill>
+                <a:latin typeface="+mn-lt"/>
+                <a:ea typeface="+mn-ea"/>
+                <a:cs typeface="+mn-cs"/>
+              </a:defRPr>
+            </a:lvl8pPr>
+            <a:lvl9pPr marL="3657600" algn="l" defTabSz="457200" rtl="0" eaLnBrk="1" latinLnBrk="0" hangingPunct="1">
+              <a:defRPr sz="1800" kern="1200">
+                <a:solidFill>
+                  <a:schemeClr val="tx1"/>
+                </a:solidFill>
+                <a:latin typeface="+mn-lt"/>
+                <a:ea typeface="+mn-ea"/>
+                <a:cs typeface="+mn-cs"/>
+              </a:defRPr>
+            </a:lvl9pPr>
+          </a:lstStyle>
+          <a:p>
+            <a:r>
+              <a:rPr lang="en-US" sz="1200" dirty="0"/>
+              <a:t>Red Pitaya (14b)</a:t>
             </a:r>
           </a:p>
         </p:txBody>
